--- a/CSE101/SLIDE/CSE-101_Lec-1.pptx
+++ b/CSE101/SLIDE/CSE-101_Lec-1.pptx
@@ -216,7 +216,7 @@
             <a:fld id="{ACBA8FBC-3C8D-48B7-BF7F-65D50906E046}" type="datetimeFigureOut">
               <a:rPr lang="en-US" smtClean="0"/>
               <a:pPr/>
-              <a:t>4/17/17</a:t>
+              <a:t>6/29/2022</a:t>
             </a:fld>
             <a:endParaRPr lang="en-US"/>
           </a:p>
@@ -383,7 +383,7 @@
             <a:fld id="{6EA097B2-C837-4F11-A729-2E1D522E8B11}" type="datetimeFigureOut">
               <a:rPr lang="ko-KR" altLang="en-US" smtClean="0"/>
               <a:pPr/>
-              <a:t>2017. 4. 17.</a:t>
+              <a:t>2022-06-29</a:t>
             </a:fld>
             <a:endParaRPr lang="ko-KR" altLang="en-US"/>
           </a:p>
@@ -831,7 +831,7 @@
             <a:fld id="{6DD465A3-6112-4551-8AB6-2841A9369483}" type="datetime1">
               <a:rPr lang="ko-KR" altLang="en-US" smtClean="0"/>
               <a:pPr/>
-              <a:t>2017. 4. 17.</a:t>
+              <a:t>2022-06-29</a:t>
             </a:fld>
             <a:endParaRPr lang="ko-KR" altLang="en-US"/>
           </a:p>
@@ -1415,7 +1415,7 @@
             <a:fld id="{46867D4B-2DB6-4479-B93C-F1210016D707}" type="datetime1">
               <a:rPr lang="ko-KR" altLang="en-US" smtClean="0"/>
               <a:pPr/>
-              <a:t>2017. 4. 17.</a:t>
+              <a:t>2022-06-29</a:t>
             </a:fld>
             <a:endParaRPr lang="ko-KR" altLang="en-US"/>
           </a:p>
@@ -1898,110 +1898,6 @@
       </p:sp>
       <p:sp>
         <p:nvSpPr>
-          <p:cNvPr id="5" name="직사각형 4"/>
-          <p:cNvSpPr/>
-          <p:nvPr/>
-        </p:nvSpPr>
-        <p:spPr>
-          <a:xfrm>
-            <a:off x="603945" y="4115172"/>
-            <a:ext cx="1368000" cy="288032"/>
-          </a:xfrm>
-          <a:prstGeom prst="rect">
-            <a:avLst/>
-          </a:prstGeom>
-          <a:solidFill>
-            <a:srgbClr val="71B1EB"/>
-          </a:solidFill>
-          <a:ln>
-            <a:noFill/>
-          </a:ln>
-        </p:spPr>
-        <p:style>
-          <a:lnRef idx="2">
-            <a:schemeClr val="accent1">
-              <a:shade val="50000"/>
-            </a:schemeClr>
-          </a:lnRef>
-          <a:fillRef idx="1">
-            <a:schemeClr val="accent1"/>
-          </a:fillRef>
-          <a:effectRef idx="0">
-            <a:schemeClr val="accent1"/>
-          </a:effectRef>
-          <a:fontRef idx="minor">
-            <a:schemeClr val="lt1"/>
-          </a:fontRef>
-        </p:style>
-        <p:txBody>
-          <a:bodyPr rtlCol="0" anchor="ctr"/>
-          <a:lstStyle/>
-          <a:p>
-            <a:pPr algn="ctr"/>
-            <a:r>
-              <a:rPr lang="en-US" altLang="ko-KR" sz="1400" b="1" dirty="0" smtClean="0">
-                <a:solidFill>
-                  <a:schemeClr val="bg1"/>
-                </a:solidFill>
-                <a:latin typeface="+mj-ea"/>
-                <a:ea typeface="+mj-ea"/>
-              </a:rPr>
-              <a:t>2017. 04. 16</a:t>
-            </a:r>
-            <a:endParaRPr lang="ko-KR" altLang="en-US" sz="1400" b="1" dirty="0">
-              <a:solidFill>
-                <a:schemeClr val="bg1"/>
-              </a:solidFill>
-              <a:latin typeface="+mj-ea"/>
-              <a:ea typeface="+mj-ea"/>
-            </a:endParaRPr>
-          </a:p>
-        </p:txBody>
-      </p:sp>
-      <p:sp>
-        <p:nvSpPr>
-          <p:cNvPr id="19" name="TextBox 18"/>
-          <p:cNvSpPr txBox="1"/>
-          <p:nvPr/>
-        </p:nvSpPr>
-        <p:spPr>
-          <a:xfrm>
-            <a:off x="1990995" y="4038600"/>
-            <a:ext cx="2573269" cy="415498"/>
-          </a:xfrm>
-          <a:prstGeom prst="rect">
-            <a:avLst/>
-          </a:prstGeom>
-          <a:noFill/>
-        </p:spPr>
-        <p:txBody>
-          <a:bodyPr wrap="none" rtlCol="0">
-            <a:spAutoFit/>
-          </a:bodyPr>
-          <a:lstStyle/>
-          <a:p>
-            <a:pPr>
-              <a:lnSpc>
-                <a:spcPct val="150000"/>
-              </a:lnSpc>
-            </a:pPr>
-            <a:r>
-              <a:rPr lang="en-US" altLang="ko-KR" sz="1400" b="1" dirty="0">
-                <a:solidFill>
-                  <a:srgbClr val="1B70BD"/>
-                </a:solidFill>
-              </a:rPr>
-              <a:t>By | </a:t>
-            </a:r>
-            <a:r>
-              <a:rPr lang="en-US" altLang="ko-KR" sz="1400" b="1" dirty="0"/>
-              <a:t>Dr. MD. Rashedul Islam</a:t>
-            </a:r>
-          </a:p>
-        </p:txBody>
-      </p:sp>
-      <p:sp>
-        <p:nvSpPr>
           <p:cNvPr id="25" name="Title 1"/>
           <p:cNvSpPr txBox="1">
             <a:spLocks/>
@@ -2072,45 +1968,6 @@
               <a:solidFill>
                 <a:schemeClr val="bg1"/>
               </a:solidFill>
-            </a:endParaRPr>
-          </a:p>
-        </p:txBody>
-      </p:sp>
-      <p:sp>
-        <p:nvSpPr>
-          <p:cNvPr id="28" name="Rectangle 27"/>
-          <p:cNvSpPr/>
-          <p:nvPr/>
-        </p:nvSpPr>
-        <p:spPr>
-          <a:xfrm>
-            <a:off x="8" y="919788"/>
-            <a:ext cx="8458200" cy="584775"/>
-          </a:xfrm>
-          <a:prstGeom prst="rect">
-            <a:avLst/>
-          </a:prstGeom>
-        </p:spPr>
-        <p:txBody>
-          <a:bodyPr wrap="square">
-            <a:spAutoFit/>
-          </a:bodyPr>
-          <a:lstStyle/>
-          <a:p>
-            <a:pPr lvl="0" algn="ctr">
-              <a:spcBef>
-                <a:spcPct val="20000"/>
-              </a:spcBef>
-              <a:defRPr/>
-            </a:pPr>
-            <a:r>
-              <a:rPr lang="en-US" sz="3200" i="1" dirty="0" smtClean="0">
-                <a:latin typeface="Cambria" pitchFamily="18" charset="0"/>
-              </a:rPr>
-              <a:t>Spring-2017</a:t>
-            </a:r>
-            <a:endParaRPr lang="en-US" altLang="ko-KR" sz="3200" b="1" i="1" dirty="0">
-              <a:latin typeface="Cambria" pitchFamily="18" charset="0"/>
             </a:endParaRPr>
           </a:p>
         </p:txBody>
@@ -3561,21 +3418,21 @@
                 <a:gridCol w="2085023">
                   <a:extLst>
                     <a:ext uri="{9D8B030D-6E8A-4147-A177-3AD203B41FA5}">
-                      <a16:colId xmlns:a16="http://schemas.microsoft.com/office/drawing/2014/main" xmlns="" val="2844067523"/>
+                      <a16:colId xmlns:a16="http://schemas.microsoft.com/office/drawing/2014/main" val="2844067523"/>
                     </a:ext>
                   </a:extLst>
                 </a:gridCol>
                 <a:gridCol w="4274630">
                   <a:extLst>
                     <a:ext uri="{9D8B030D-6E8A-4147-A177-3AD203B41FA5}">
-                      <a16:colId xmlns:a16="http://schemas.microsoft.com/office/drawing/2014/main" xmlns="" val="2334619997"/>
+                      <a16:colId xmlns:a16="http://schemas.microsoft.com/office/drawing/2014/main" val="2334619997"/>
                     </a:ext>
                   </a:extLst>
                 </a:gridCol>
                 <a:gridCol w="2514601">
                   <a:extLst>
                     <a:ext uri="{9D8B030D-6E8A-4147-A177-3AD203B41FA5}">
-                      <a16:colId xmlns:a16="http://schemas.microsoft.com/office/drawing/2014/main" xmlns="" val="4293233758"/>
+                      <a16:colId xmlns:a16="http://schemas.microsoft.com/office/drawing/2014/main" val="4293233758"/>
                     </a:ext>
                   </a:extLst>
                 </a:gridCol>
@@ -3713,6 +3570,11 @@
                   </a:txBody>
                   <a:tcPr marL="68580" marR="68580" marT="0" marB="0"/>
                 </a:tc>
+                <a:extLst>
+                  <a:ext uri="{0D108BD9-81ED-4DB2-BD59-A6C34878D82A}">
+                    <a16:rowId xmlns:a16="http://schemas.microsoft.com/office/drawing/2014/main" val="10000"/>
+                  </a:ext>
+                </a:extLst>
               </a:tr>
               <a:tr h="883920">
                 <a:tc>
@@ -3825,7 +3687,7 @@
                 </a:tc>
                 <a:extLst>
                   <a:ext uri="{0D108BD9-81ED-4DB2-BD59-A6C34878D82A}">
-                    <a16:rowId xmlns:a16="http://schemas.microsoft.com/office/drawing/2014/main" xmlns="" val="2960762877"/>
+                    <a16:rowId xmlns:a16="http://schemas.microsoft.com/office/drawing/2014/main" val="2960762877"/>
                   </a:ext>
                 </a:extLst>
               </a:tr>
@@ -3934,7 +3796,7 @@
                 </a:tc>
                 <a:extLst>
                   <a:ext uri="{0D108BD9-81ED-4DB2-BD59-A6C34878D82A}">
-                    <a16:rowId xmlns:a16="http://schemas.microsoft.com/office/drawing/2014/main" xmlns="" val="1464775072"/>
+                    <a16:rowId xmlns:a16="http://schemas.microsoft.com/office/drawing/2014/main" val="1464775072"/>
                   </a:ext>
                 </a:extLst>
               </a:tr>
@@ -4055,7 +3917,7 @@
                 </a:tc>
                 <a:extLst>
                   <a:ext uri="{0D108BD9-81ED-4DB2-BD59-A6C34878D82A}">
-                    <a16:rowId xmlns:a16="http://schemas.microsoft.com/office/drawing/2014/main" xmlns="" val="4118395357"/>
+                    <a16:rowId xmlns:a16="http://schemas.microsoft.com/office/drawing/2014/main" val="4118395357"/>
                   </a:ext>
                 </a:extLst>
               </a:tr>
@@ -4176,7 +4038,7 @@
                 </a:tc>
                 <a:extLst>
                   <a:ext uri="{0D108BD9-81ED-4DB2-BD59-A6C34878D82A}">
-                    <a16:rowId xmlns:a16="http://schemas.microsoft.com/office/drawing/2014/main" xmlns="" val="2346175520"/>
+                    <a16:rowId xmlns:a16="http://schemas.microsoft.com/office/drawing/2014/main" val="2346175520"/>
                   </a:ext>
                 </a:extLst>
               </a:tr>
@@ -4285,7 +4147,7 @@
                 </a:tc>
                 <a:extLst>
                   <a:ext uri="{0D108BD9-81ED-4DB2-BD59-A6C34878D82A}">
-                    <a16:rowId xmlns:a16="http://schemas.microsoft.com/office/drawing/2014/main" xmlns="" val="1828306189"/>
+                    <a16:rowId xmlns:a16="http://schemas.microsoft.com/office/drawing/2014/main" val="1828306189"/>
                   </a:ext>
                 </a:extLst>
               </a:tr>
